--- a/Docs/Чат-бот «СТО».pptx
+++ b/Docs/Чат-бот «СТО».pptx
@@ -119,6 +119,11 @@
       </a:defRPr>
     </a:lvl9pPr>
   </p:defaultTextStyle>
+  <p:extLst>
+    <p:ext uri="{EFAFB233-063F-42B5-8137-9DF3F51BA10A}">
+      <p15:sldGuideLst xmlns:p15="http://schemas.microsoft.com/office/powerpoint/2012/main"/>
+    </p:ext>
+  </p:extLst>
 </p:presentation>
 </file>
 
@@ -6888,15 +6893,19 @@
           <a:p>
             <a:r>
               <a:rPr lang="uk-UA" dirty="0" smtClean="0"/>
-              <a:t>Баранов А., Березовська А., Бурим </a:t>
-            </a:r>
-            <a:r>
-              <a:rPr lang="uk-UA" dirty="0" err="1" smtClean="0"/>
-              <a:t>А.,Пономарьов</a:t>
+              <a:t>Баранов А., Березовська А., Бурим А</a:t>
             </a:r>
             <a:r>
               <a:rPr lang="uk-UA" dirty="0" smtClean="0"/>
-              <a:t> П.,</a:t>
+              <a:t>., Пономарьов </a:t>
+            </a:r>
+            <a:r>
+              <a:rPr lang="uk-UA" dirty="0" smtClean="0"/>
+              <a:t>П</a:t>
+            </a:r>
+            <a:r>
+              <a:rPr lang="uk-UA" dirty="0" smtClean="0"/>
+              <a:t>., </a:t>
             </a:r>
             <a:r>
               <a:rPr lang="uk-UA" dirty="0" err="1" smtClean="0"/>
@@ -6907,12 +6916,16 @@
               <a:t> </a:t>
             </a:r>
             <a:r>
-              <a:rPr lang="uk-UA" dirty="0" err="1" smtClean="0"/>
-              <a:t>с.,Чернишов</a:t>
-            </a:r>
-            <a:r>
               <a:rPr lang="uk-UA" dirty="0" smtClean="0"/>
-              <a:t> С.</a:t>
+              <a:t>с</a:t>
+            </a:r>
+            <a:r>
+              <a:rPr lang="uk-UA" dirty="0" smtClean="0"/>
+              <a:t>., Чернишов </a:t>
+            </a:r>
+            <a:r>
+              <a:rPr lang="uk-UA" dirty="0" smtClean="0"/>
+              <a:t>С.</a:t>
             </a:r>
             <a:endParaRPr lang="ru-RU" dirty="0"/>
           </a:p>
@@ -8370,7 +8383,7 @@
         </p:nvSpPr>
         <p:spPr>
           <a:xfrm>
-            <a:off x="2931203" y="2425818"/>
+            <a:off x="2931203" y="2619782"/>
             <a:ext cx="8810524" cy="2589528"/>
           </a:xfrm>
         </p:spPr>
@@ -8715,7 +8728,7 @@
         </p:nvSpPr>
         <p:spPr>
           <a:xfrm>
-            <a:off x="2868213" y="2096070"/>
+            <a:off x="2868213" y="2253088"/>
             <a:ext cx="8634844" cy="3927659"/>
           </a:xfrm>
         </p:spPr>
